--- a/Demo_Faster_Whisper_Model_04_09_24.pptx
+++ b/Demo_Faster_Whisper_Model_04_09_24.pptx
@@ -30,23 +30,23 @@
   <p:notesSz cx="6858000" cy="9144000"/>
   <p:embeddedFontLst>
     <p:embeddedFont>
-      <p:font typeface="Calibri" panose="020F0502020204030204" pitchFamily="34" charset="0"/>
+      <p:font typeface="Poppins" panose="020B0604020202020204" charset="0"/>
       <p:regular r:id="rId20"/>
       <p:bold r:id="rId21"/>
       <p:italic r:id="rId22"/>
       <p:boldItalic r:id="rId23"/>
     </p:embeddedFont>
     <p:embeddedFont>
-      <p:font typeface="Gill Sans" panose="020B0604020202020204" charset="0"/>
+      <p:font typeface="Calibri" panose="020F0502020204030204" pitchFamily="34" charset="0"/>
       <p:regular r:id="rId24"/>
       <p:bold r:id="rId25"/>
+      <p:italic r:id="rId26"/>
+      <p:boldItalic r:id="rId27"/>
     </p:embeddedFont>
     <p:embeddedFont>
-      <p:font typeface="Poppins" panose="020B0604020202020204" charset="0"/>
-      <p:regular r:id="rId26"/>
-      <p:bold r:id="rId27"/>
-      <p:italic r:id="rId28"/>
-      <p:boldItalic r:id="rId29"/>
+      <p:font typeface="Gill Sans" panose="020B0604020202020204" charset="0"/>
+      <p:regular r:id="rId28"/>
+      <p:bold r:id="rId29"/>
     </p:embeddedFont>
   </p:embeddedFontLst>
   <p:defaultTextStyle>
@@ -15227,7 +15227,7 @@
           <p:nvPr>
             <p:extLst>
               <p:ext uri="{D42A27DB-BD31-4B8C-83A1-F6EECF244321}">
-                <p14:modId xmlns:p14="http://schemas.microsoft.com/office/powerpoint/2010/main" val="2283391474"/>
+                <p14:modId xmlns:p14="http://schemas.microsoft.com/office/powerpoint/2010/main" val="3870433436"/>
               </p:ext>
             </p:extLst>
           </p:nvPr>
@@ -15657,10 +15657,7 @@
                       <a:prstDash val="solid"/>
                     </a:lnBlToTr>
                     <a:solidFill>
-                      <a:schemeClr val="accent2">
-                        <a:lumMod val="60000"/>
-                        <a:lumOff val="40000"/>
-                      </a:schemeClr>
+                      <a:schemeClr val="bg1"/>
                     </a:solidFill>
                   </a:tcPr>
                 </a:tc>
@@ -15679,7 +15676,7 @@
                           <a:latin typeface="Poppins" panose="020B0604020202020204" charset="0"/>
                           <a:cs typeface="Poppins" panose="020B0604020202020204" charset="0"/>
                         </a:rPr>
-                        <a:t>-</a:t>
+                        <a:t>0</a:t>
                       </a:r>
                       <a:endParaRPr lang="en-US" sz="1600" dirty="0">
                         <a:latin typeface="Poppins" panose="020B0604020202020204" charset="0"/>
@@ -15733,10 +15730,7 @@
                       <a:prstDash val="solid"/>
                     </a:lnBlToTr>
                     <a:solidFill>
-                      <a:schemeClr val="accent2">
-                        <a:lumMod val="60000"/>
-                        <a:lumOff val="40000"/>
-                      </a:schemeClr>
+                      <a:schemeClr val="bg1"/>
                     </a:solidFill>
                   </a:tcPr>
                 </a:tc>
@@ -15755,7 +15749,7 @@
                           <a:latin typeface="Poppins" panose="020B0604020202020204" charset="0"/>
                           <a:cs typeface="Poppins" panose="020B0604020202020204" charset="0"/>
                         </a:rPr>
-                        <a:t>-</a:t>
+                        <a:t>1</a:t>
                       </a:r>
                       <a:endParaRPr lang="en-US" sz="1600" dirty="0">
                         <a:latin typeface="Poppins" panose="020B0604020202020204" charset="0"/>
@@ -15809,10 +15803,7 @@
                       <a:prstDash val="solid"/>
                     </a:lnBlToTr>
                     <a:solidFill>
-                      <a:schemeClr val="accent2">
-                        <a:lumMod val="60000"/>
-                        <a:lumOff val="40000"/>
-                      </a:schemeClr>
+                      <a:schemeClr val="bg1"/>
                     </a:solidFill>
                   </a:tcPr>
                 </a:tc>
@@ -15831,7 +15822,7 @@
                           <a:latin typeface="Poppins" panose="020B0604020202020204" charset="0"/>
                           <a:cs typeface="Poppins" panose="020B0604020202020204" charset="0"/>
                         </a:rPr>
-                        <a:t>-</a:t>
+                        <a:t>18</a:t>
                       </a:r>
                       <a:endParaRPr lang="en-US" sz="1600" dirty="0">
                         <a:latin typeface="Poppins" panose="020B0604020202020204" charset="0"/>
@@ -15885,10 +15876,7 @@
                       <a:prstDash val="solid"/>
                     </a:lnBlToTr>
                     <a:solidFill>
-                      <a:schemeClr val="accent2">
-                        <a:lumMod val="60000"/>
-                        <a:lumOff val="40000"/>
-                      </a:schemeClr>
+                      <a:schemeClr val="bg1"/>
                     </a:solidFill>
                   </a:tcPr>
                 </a:tc>
@@ -16056,7 +16044,7 @@
                           <a:latin typeface="Poppins" panose="020B0604020202020204" charset="0"/>
                           <a:cs typeface="Poppins" panose="020B0604020202020204" charset="0"/>
                         </a:rPr>
-                        <a:t>4</a:t>
+                        <a:t>1</a:t>
                       </a:r>
                       <a:endParaRPr lang="en-US" sz="1600" dirty="0">
                         <a:latin typeface="Poppins" panose="020B0604020202020204" charset="0"/>
@@ -16127,7 +16115,7 @@
                           <a:latin typeface="Poppins" panose="020B0604020202020204" charset="0"/>
                           <a:cs typeface="Poppins" panose="020B0604020202020204" charset="0"/>
                         </a:rPr>
-                        <a:t>5</a:t>
+                        <a:t>37</a:t>
                       </a:r>
                       <a:endParaRPr lang="en-US" sz="1600" dirty="0">
                         <a:latin typeface="Poppins" panose="020B0604020202020204" charset="0"/>
@@ -16347,7 +16335,7 @@
                           <a:latin typeface="Poppins" panose="020B0604020202020204" charset="0"/>
                           <a:cs typeface="Poppins" panose="020B0604020202020204" charset="0"/>
                         </a:rPr>
-                        <a:t>12</a:t>
+                        <a:t>1</a:t>
                       </a:r>
                       <a:endParaRPr lang="en-US" sz="1600" dirty="0">
                         <a:latin typeface="Poppins" panose="020B0604020202020204" charset="0"/>
@@ -16418,7 +16406,7 @@
                           <a:latin typeface="Poppins" panose="020B0604020202020204" charset="0"/>
                           <a:cs typeface="Poppins" panose="020B0604020202020204" charset="0"/>
                         </a:rPr>
-                        <a:t>41</a:t>
+                        <a:t>59</a:t>
                       </a:r>
                       <a:endParaRPr lang="en-US" sz="1600" dirty="0">
                         <a:latin typeface="Poppins" panose="020B0604020202020204" charset="0"/>
@@ -16714,7 +16702,7 @@
                           <a:latin typeface="Poppins" panose="020B0604020202020204" charset="0"/>
                           <a:cs typeface="Poppins" panose="020B0604020202020204" charset="0"/>
                         </a:rPr>
-                        <a:t>53</a:t>
+                        <a:t>31</a:t>
                       </a:r>
                       <a:endParaRPr lang="en-US" sz="1600" dirty="0">
                         <a:latin typeface="Poppins" panose="020B0604020202020204" charset="0"/>
@@ -16941,7 +16929,7 @@
                           <a:latin typeface="Poppins" panose="020B0604020202020204" charset="0"/>
                           <a:cs typeface="Poppins" panose="020B0604020202020204" charset="0"/>
                         </a:rPr>
-                        <a:t>22</a:t>
+                        <a:t>5</a:t>
                       </a:r>
                       <a:endParaRPr lang="en-US" sz="1600" b="1" dirty="0">
                         <a:solidFill>
@@ -17016,7 +17004,7 @@
                           <a:latin typeface="Poppins" panose="020B0604020202020204" charset="0"/>
                           <a:cs typeface="Poppins" panose="020B0604020202020204" charset="0"/>
                         </a:rPr>
-                        <a:t>34</a:t>
+                        <a:t>25</a:t>
                       </a:r>
                       <a:endParaRPr lang="en-US" sz="1600" b="1" dirty="0">
                         <a:solidFill>
@@ -17343,188 +17331,6 @@
           </a:p>
         </p:txBody>
       </p:sp>
-      <p:sp>
-        <p:nvSpPr>
-          <p:cNvPr id="7" name="Google Shape;214;p14"/>
-          <p:cNvSpPr txBox="1"/>
-          <p:nvPr/>
-        </p:nvSpPr>
-        <p:spPr>
-          <a:xfrm>
-            <a:off x="2557462" y="1364616"/>
-            <a:ext cx="7077076" cy="1753253"/>
-          </a:xfrm>
-          <a:prstGeom prst="rect">
-            <a:avLst/>
-          </a:prstGeom>
-          <a:noFill/>
-          <a:ln>
-            <a:noFill/>
-          </a:ln>
-        </p:spPr>
-        <p:txBody>
-          <a:bodyPr spcFirstLastPara="1" wrap="square" lIns="91425" tIns="91425" rIns="91425" bIns="91425" anchor="t" anchorCtr="0">
-            <a:noAutofit/>
-          </a:bodyPr>
-          <a:lstStyle/>
-          <a:p>
-            <a:pPr algn="ctr"/>
-            <a:r>
-              <a:rPr lang="en-US" sz="2000" b="1" dirty="0">
-                <a:solidFill>
-                  <a:srgbClr val="009788"/>
-                </a:solidFill>
-                <a:latin typeface="Poppins"/>
-                <a:ea typeface="Poppins"/>
-                <a:cs typeface="Poppins"/>
-                <a:sym typeface="Poppins"/>
-              </a:rPr>
-              <a:t>Problem </a:t>
-            </a:r>
-            <a:r>
-              <a:rPr lang="en-US" sz="2000" b="1" dirty="0" smtClean="0">
-                <a:solidFill>
-                  <a:srgbClr val="009788"/>
-                </a:solidFill>
-                <a:latin typeface="Poppins"/>
-                <a:ea typeface="Poppins"/>
-                <a:cs typeface="Poppins"/>
-                <a:sym typeface="Poppins"/>
-              </a:rPr>
-              <a:t>Description</a:t>
-            </a:r>
-            <a:r>
-              <a:rPr lang="en-US" sz="2000" dirty="0" smtClean="0">
-                <a:solidFill>
-                  <a:srgbClr val="191919"/>
-                </a:solidFill>
-                <a:latin typeface="Poppins"/>
-                <a:ea typeface="Poppins"/>
-                <a:cs typeface="Poppins"/>
-                <a:sym typeface="Poppins"/>
-              </a:rPr>
-              <a:t>: When </a:t>
-            </a:r>
-            <a:r>
-              <a:rPr lang="en-US" sz="2000" dirty="0">
-                <a:solidFill>
-                  <a:srgbClr val="191919"/>
-                </a:solidFill>
-                <a:latin typeface="Poppins"/>
-                <a:ea typeface="Poppins"/>
-                <a:cs typeface="Poppins"/>
-                <a:sym typeface="Poppins"/>
-              </a:rPr>
-              <a:t>attempting to run the audio file </a:t>
-            </a:r>
-            <a:r>
-              <a:rPr lang="en-US" sz="2000" dirty="0">
-                <a:solidFill>
-                  <a:schemeClr val="accent2"/>
-                </a:solidFill>
-                <a:latin typeface="Poppins"/>
-                <a:ea typeface="Poppins"/>
-                <a:cs typeface="Poppins"/>
-                <a:sym typeface="Poppins"/>
-              </a:rPr>
-              <a:t>gb0.wav</a:t>
-            </a:r>
-            <a:r>
-              <a:rPr lang="en-US" sz="2000" dirty="0">
-                <a:solidFill>
-                  <a:srgbClr val="191919"/>
-                </a:solidFill>
-                <a:latin typeface="Poppins"/>
-                <a:ea typeface="Poppins"/>
-                <a:cs typeface="Poppins"/>
-                <a:sym typeface="Poppins"/>
-              </a:rPr>
-              <a:t> on the Google Cloud </a:t>
-            </a:r>
-            <a:r>
-              <a:rPr lang="en-US" sz="2000" dirty="0" smtClean="0">
-                <a:solidFill>
-                  <a:srgbClr val="191919"/>
-                </a:solidFill>
-                <a:latin typeface="Poppins"/>
-                <a:ea typeface="Poppins"/>
-                <a:cs typeface="Poppins"/>
-                <a:sym typeface="Poppins"/>
-              </a:rPr>
-              <a:t>Platform (GCP) </a:t>
-            </a:r>
-            <a:r>
-              <a:rPr lang="en-US" sz="2000" dirty="0">
-                <a:solidFill>
-                  <a:srgbClr val="191919"/>
-                </a:solidFill>
-                <a:latin typeface="Poppins"/>
-                <a:ea typeface="Poppins"/>
-                <a:cs typeface="Poppins"/>
-                <a:sym typeface="Poppins"/>
-              </a:rPr>
-              <a:t>instance, the process consistently terminates, likely due to insufficient memory. The GCP instance is configured with </a:t>
-            </a:r>
-            <a:r>
-              <a:rPr lang="en-US" sz="2000" b="1" dirty="0">
-                <a:solidFill>
-                  <a:srgbClr val="009788"/>
-                </a:solidFill>
-                <a:latin typeface="Poppins"/>
-                <a:ea typeface="Poppins"/>
-                <a:cs typeface="Poppins"/>
-                <a:sym typeface="Poppins"/>
-              </a:rPr>
-              <a:t>4 </a:t>
-            </a:r>
-            <a:r>
-              <a:rPr lang="en-US" sz="2000" b="1" dirty="0" smtClean="0">
-                <a:solidFill>
-                  <a:srgbClr val="009788"/>
-                </a:solidFill>
-                <a:latin typeface="Poppins"/>
-                <a:ea typeface="Poppins"/>
-                <a:cs typeface="Poppins"/>
-                <a:sym typeface="Poppins"/>
-              </a:rPr>
-              <a:t>CPUs </a:t>
-            </a:r>
-            <a:r>
-              <a:rPr lang="en-US" sz="2000" b="1" dirty="0">
-                <a:solidFill>
-                  <a:srgbClr val="009788"/>
-                </a:solidFill>
-                <a:latin typeface="Poppins"/>
-                <a:ea typeface="Poppins"/>
-                <a:cs typeface="Poppins"/>
-                <a:sym typeface="Poppins"/>
-              </a:rPr>
-              <a:t>and 4GB of RAM</a:t>
-            </a:r>
-            <a:r>
-              <a:rPr lang="en-US" sz="2000" dirty="0">
-                <a:solidFill>
-                  <a:srgbClr val="191919"/>
-                </a:solidFill>
-                <a:latin typeface="Poppins"/>
-                <a:ea typeface="Poppins"/>
-                <a:cs typeface="Poppins"/>
-                <a:sym typeface="Poppins"/>
-              </a:rPr>
-              <a:t>.</a:t>
-            </a:r>
-            <a:endParaRPr sz="2000" b="0" i="0" u="none" strike="noStrike" cap="none" dirty="0">
-              <a:solidFill>
-                <a:srgbClr val="191919"/>
-              </a:solidFill>
-              <a:latin typeface="Poppins"/>
-              <a:ea typeface="Poppins"/>
-              <a:cs typeface="Poppins"/>
-              <a:sym typeface="Poppins"/>
-            </a:endParaRPr>
-          </a:p>
-        </p:txBody>
-      </p:sp>
       <p:pic>
         <p:nvPicPr>
           <p:cNvPr id="2" name="Imagen 1"/>
@@ -17547,8 +17353,8 @@
         </p:blipFill>
         <p:spPr>
           <a:xfrm>
-            <a:off x="4403754" y="3415685"/>
-            <a:ext cx="3384492" cy="2816686"/>
+            <a:off x="3830694" y="2409093"/>
+            <a:ext cx="4530612" cy="3770525"/>
           </a:xfrm>
           <a:prstGeom prst="rect">
             <a:avLst/>
@@ -17567,56 +17373,98 @@
       </p:pic>
       <p:sp>
         <p:nvSpPr>
-          <p:cNvPr id="9" name="Elipse 8"/>
-          <p:cNvSpPr/>
+          <p:cNvPr id="8" name="Google Shape;306;p38"/>
+          <p:cNvSpPr txBox="1"/>
           <p:nvPr/>
         </p:nvSpPr>
         <p:spPr>
           <a:xfrm>
-            <a:off x="1523525" y="1495505"/>
-            <a:ext cx="561975" cy="552450"/>
+            <a:off x="2557462" y="1448718"/>
+            <a:ext cx="7077076" cy="480646"/>
           </a:xfrm>
-          <a:prstGeom prst="ellipse">
+          <a:prstGeom prst="rect">
             <a:avLst/>
           </a:prstGeom>
-          <a:solidFill>
-            <a:srgbClr val="009788"/>
-          </a:solidFill>
+          <a:noFill/>
           <a:ln>
-            <a:solidFill>
-              <a:srgbClr val="009788"/>
-            </a:solidFill>
+            <a:noFill/>
           </a:ln>
         </p:spPr>
-        <p:style>
-          <a:lnRef idx="2">
-            <a:schemeClr val="dk1">
-              <a:shade val="50000"/>
-            </a:schemeClr>
-          </a:lnRef>
-          <a:fillRef idx="1">
-            <a:schemeClr val="dk1"/>
-          </a:fillRef>
-          <a:effectRef idx="0">
-            <a:schemeClr val="dk1"/>
-          </a:effectRef>
-          <a:fontRef idx="minor">
-            <a:schemeClr val="lt1"/>
-          </a:fontRef>
-        </p:style>
         <p:txBody>
-          <a:bodyPr rtlCol="0" anchor="ctr"/>
+          <a:bodyPr spcFirstLastPara="1" wrap="square" lIns="91425" tIns="91425" rIns="91425" bIns="91425" anchor="t" anchorCtr="0">
+            <a:noAutofit/>
+          </a:bodyPr>
           <a:lstStyle/>
           <a:p>
-            <a:pPr algn="ctr"/>
+            <a:pPr lvl="0" algn="ctr"/>
             <a:r>
-              <a:rPr lang="es-CO" sz="2000" dirty="0">
-                <a:latin typeface="Gill Sans MT (Títulos)"/>
+              <a:rPr lang="en-US" sz="2000" b="1" dirty="0">
+                <a:solidFill>
+                  <a:srgbClr val="009788"/>
+                </a:solidFill>
+                <a:latin typeface="Poppins"/>
+                <a:ea typeface="Poppins"/>
+                <a:cs typeface="Poppins"/>
+                <a:sym typeface="Poppins"/>
               </a:rPr>
-              <a:t>1</a:t>
+              <a:t>Results</a:t>
             </a:r>
-            <a:endParaRPr lang="en-US" sz="2000" dirty="0">
-              <a:latin typeface="Gill Sans MT (Títulos)"/>
+            <a:r>
+              <a:rPr lang="en-US" sz="2000" dirty="0">
+                <a:solidFill>
+                  <a:srgbClr val="191919"/>
+                </a:solidFill>
+                <a:latin typeface="Poppins"/>
+                <a:ea typeface="Poppins"/>
+                <a:cs typeface="Poppins"/>
+                <a:sym typeface="Poppins"/>
+              </a:rPr>
+              <a:t> of processing </a:t>
+            </a:r>
+            <a:r>
+              <a:rPr lang="en-US" sz="2000" dirty="0" smtClean="0">
+                <a:solidFill>
+                  <a:srgbClr val="191919"/>
+                </a:solidFill>
+                <a:latin typeface="Poppins"/>
+                <a:ea typeface="Poppins"/>
+                <a:cs typeface="Poppins"/>
+                <a:sym typeface="Poppins"/>
+              </a:rPr>
+              <a:t>times for </a:t>
+            </a:r>
+            <a:r>
+              <a:rPr lang="en-US" sz="2000" b="1" dirty="0" smtClean="0">
+                <a:solidFill>
+                  <a:srgbClr val="009788"/>
+                </a:solidFill>
+                <a:latin typeface="Poppins"/>
+                <a:ea typeface="Poppins"/>
+                <a:cs typeface="Poppins"/>
+                <a:sym typeface="Poppins"/>
+              </a:rPr>
+              <a:t>four audio files</a:t>
+            </a:r>
+            <a:r>
+              <a:rPr lang="en-US" sz="2000" dirty="0" smtClean="0">
+                <a:solidFill>
+                  <a:srgbClr val="191919"/>
+                </a:solidFill>
+                <a:latin typeface="Poppins"/>
+                <a:ea typeface="Poppins"/>
+                <a:cs typeface="Poppins"/>
+                <a:sym typeface="Poppins"/>
+              </a:rPr>
+              <a:t>: </a:t>
+            </a:r>
+            <a:endParaRPr sz="2000" dirty="0">
+              <a:solidFill>
+                <a:srgbClr val="191919"/>
+              </a:solidFill>
+              <a:latin typeface="Poppins"/>
+              <a:ea typeface="Poppins"/>
+              <a:cs typeface="Poppins"/>
+              <a:sym typeface="Poppins"/>
             </a:endParaRPr>
           </a:p>
         </p:txBody>
@@ -18167,7 +18015,7 @@
           <p:nvPr>
             <p:extLst>
               <p:ext uri="{D42A27DB-BD31-4B8C-83A1-F6EECF244321}">
-                <p14:modId xmlns:p14="http://schemas.microsoft.com/office/powerpoint/2010/main" val="3013686434"/>
+                <p14:modId xmlns:p14="http://schemas.microsoft.com/office/powerpoint/2010/main" val="624809077"/>
               </p:ext>
             </p:extLst>
           </p:nvPr>
@@ -18682,13 +18530,13 @@
                         <a:buNone/>
                       </a:pPr>
                       <a:r>
-                        <a:rPr lang="en-US" sz="1600">
+                        <a:rPr lang="en-US" sz="1600" dirty="0" smtClean="0">
                           <a:latin typeface="Poppins" panose="020B0604020202020204" charset="0"/>
                           <a:cs typeface="Poppins" panose="020B0604020202020204" charset="0"/>
                         </a:rPr>
-                        <a:t>4</a:t>
+                        <a:t>0</a:t>
                       </a:r>
-                      <a:endParaRPr sz="1600">
+                      <a:endParaRPr sz="1600" dirty="0">
                         <a:latin typeface="Poppins" panose="020B0604020202020204" charset="0"/>
                         <a:cs typeface="Poppins" panose="020B0604020202020204" charset="0"/>
                       </a:endParaRPr>
@@ -18751,13 +18599,13 @@
                         <a:buNone/>
                       </a:pPr>
                       <a:r>
-                        <a:rPr lang="en-US" sz="1600">
+                        <a:rPr lang="en-US" sz="1600" dirty="0" smtClean="0">
                           <a:latin typeface="Poppins" panose="020B0604020202020204" charset="0"/>
                           <a:cs typeface="Poppins" panose="020B0604020202020204" charset="0"/>
                         </a:rPr>
-                        <a:t>25</a:t>
+                        <a:t>27</a:t>
                       </a:r>
-                      <a:endParaRPr sz="1600">
+                      <a:endParaRPr sz="1600" dirty="0">
                         <a:latin typeface="Poppins" panose="020B0604020202020204" charset="0"/>
                         <a:cs typeface="Poppins" panose="020B0604020202020204" charset="0"/>
                       </a:endParaRPr>
@@ -18965,13 +18813,13 @@
                         <a:buNone/>
                       </a:pPr>
                       <a:r>
-                        <a:rPr lang="en-US" sz="1600">
+                        <a:rPr lang="en-US" sz="1600" dirty="0" smtClean="0">
                           <a:latin typeface="Poppins" panose="020B0604020202020204" charset="0"/>
                           <a:cs typeface="Poppins" panose="020B0604020202020204" charset="0"/>
                         </a:rPr>
-                        <a:t>4</a:t>
+                        <a:t>0</a:t>
                       </a:r>
-                      <a:endParaRPr sz="1600">
+                      <a:endParaRPr sz="1600" dirty="0">
                         <a:latin typeface="Poppins" panose="020B0604020202020204" charset="0"/>
                         <a:cs typeface="Poppins" panose="020B0604020202020204" charset="0"/>
                       </a:endParaRPr>
@@ -19034,13 +18882,13 @@
                         <a:buNone/>
                       </a:pPr>
                       <a:r>
-                        <a:rPr lang="en-US" sz="1600">
+                        <a:rPr lang="en-US" sz="1600" dirty="0" smtClean="0">
                           <a:latin typeface="Poppins" panose="020B0604020202020204" charset="0"/>
                           <a:cs typeface="Poppins" panose="020B0604020202020204" charset="0"/>
                         </a:rPr>
-                        <a:t>5</a:t>
+                        <a:t>30</a:t>
                       </a:r>
-                      <a:endParaRPr sz="1600">
+                      <a:endParaRPr sz="1600" dirty="0">
                         <a:latin typeface="Poppins" panose="020B0604020202020204" charset="0"/>
                         <a:cs typeface="Poppins" panose="020B0604020202020204" charset="0"/>
                       </a:endParaRPr>
@@ -19248,13 +19096,13 @@
                         <a:buNone/>
                       </a:pPr>
                       <a:r>
-                        <a:rPr lang="en-US" sz="1600">
+                        <a:rPr lang="en-US" sz="1600" dirty="0" smtClean="0">
                           <a:latin typeface="Poppins" panose="020B0604020202020204" charset="0"/>
                           <a:cs typeface="Poppins" panose="020B0604020202020204" charset="0"/>
                         </a:rPr>
-                        <a:t>12</a:t>
+                        <a:t>0</a:t>
                       </a:r>
-                      <a:endParaRPr sz="1600">
+                      <a:endParaRPr sz="1600" dirty="0">
                         <a:latin typeface="Poppins" panose="020B0604020202020204" charset="0"/>
                         <a:cs typeface="Poppins" panose="020B0604020202020204" charset="0"/>
                       </a:endParaRPr>
@@ -19605,13 +19453,13 @@
                         <a:buNone/>
                       </a:pPr>
                       <a:r>
-                        <a:rPr lang="en-US" sz="1600">
+                        <a:rPr lang="en-US" sz="1600" dirty="0" smtClean="0">
                           <a:latin typeface="Poppins" panose="020B0604020202020204" charset="0"/>
                           <a:cs typeface="Poppins" panose="020B0604020202020204" charset="0"/>
                         </a:rPr>
-                        <a:t>53</a:t>
+                        <a:t>9</a:t>
                       </a:r>
-                      <a:endParaRPr sz="1600">
+                      <a:endParaRPr sz="1600" dirty="0">
                         <a:latin typeface="Poppins" panose="020B0604020202020204" charset="0"/>
                         <a:cs typeface="Poppins" panose="020B0604020202020204" charset="0"/>
                       </a:endParaRPr>
@@ -19828,14 +19676,14 @@
                         <a:buNone/>
                       </a:pPr>
                       <a:r>
-                        <a:rPr lang="en-US" sz="1600" b="1" dirty="0">
+                        <a:rPr lang="en-US" sz="1600" b="1" dirty="0" smtClean="0">
                           <a:solidFill>
                             <a:schemeClr val="lt1"/>
                           </a:solidFill>
                           <a:latin typeface="Poppins" panose="020B0604020202020204" charset="0"/>
                           <a:cs typeface="Poppins" panose="020B0604020202020204" charset="0"/>
                         </a:rPr>
-                        <a:t>22</a:t>
+                        <a:t>1</a:t>
                       </a:r>
                       <a:endParaRPr sz="1600" b="1" dirty="0">
                         <a:solidFill>
@@ -19903,14 +19751,14 @@
                         <a:buNone/>
                       </a:pPr>
                       <a:r>
-                        <a:rPr lang="en-US" sz="1600" b="1" dirty="0">
+                        <a:rPr lang="en-US" sz="1600" b="1" dirty="0" smtClean="0">
                           <a:solidFill>
                             <a:schemeClr val="lt1"/>
                           </a:solidFill>
                           <a:latin typeface="Poppins" panose="020B0604020202020204" charset="0"/>
                           <a:cs typeface="Poppins" panose="020B0604020202020204" charset="0"/>
                         </a:rPr>
-                        <a:t>34</a:t>
+                        <a:t>54</a:t>
                       </a:r>
                       <a:endParaRPr sz="1600" b="1" dirty="0">
                         <a:solidFill>
